--- a/slides/protocol.pptx
+++ b/slides/protocol.pptx
@@ -272,7 +272,7 @@
           <a:p>
             <a:fld id="{EB1FE61B-7216-43F0-8ECC-D11D549EF62C}" type="datetimeFigureOut">
               <a:rPr lang="en-US" smtClean="0"/>
-              <a:t>3/23/2022</a:t>
+              <a:t>3/27/2022</a:t>
             </a:fld>
             <a:endParaRPr lang="en-US"/>
           </a:p>
@@ -470,7 +470,7 @@
           <a:p>
             <a:fld id="{EB1FE61B-7216-43F0-8ECC-D11D549EF62C}" type="datetimeFigureOut">
               <a:rPr lang="en-US" smtClean="0"/>
-              <a:t>3/23/2022</a:t>
+              <a:t>3/27/2022</a:t>
             </a:fld>
             <a:endParaRPr lang="en-US"/>
           </a:p>
@@ -678,7 +678,7 @@
           <a:p>
             <a:fld id="{EB1FE61B-7216-43F0-8ECC-D11D549EF62C}" type="datetimeFigureOut">
               <a:rPr lang="en-US" smtClean="0"/>
-              <a:t>3/23/2022</a:t>
+              <a:t>3/27/2022</a:t>
             </a:fld>
             <a:endParaRPr lang="en-US"/>
           </a:p>
@@ -876,7 +876,7 @@
           <a:p>
             <a:fld id="{EB1FE61B-7216-43F0-8ECC-D11D549EF62C}" type="datetimeFigureOut">
               <a:rPr lang="en-US" smtClean="0"/>
-              <a:t>3/23/2022</a:t>
+              <a:t>3/27/2022</a:t>
             </a:fld>
             <a:endParaRPr lang="en-US"/>
           </a:p>
@@ -1151,7 +1151,7 @@
           <a:p>
             <a:fld id="{EB1FE61B-7216-43F0-8ECC-D11D549EF62C}" type="datetimeFigureOut">
               <a:rPr lang="en-US" smtClean="0"/>
-              <a:t>3/23/2022</a:t>
+              <a:t>3/27/2022</a:t>
             </a:fld>
             <a:endParaRPr lang="en-US"/>
           </a:p>
@@ -1416,7 +1416,7 @@
           <a:p>
             <a:fld id="{EB1FE61B-7216-43F0-8ECC-D11D549EF62C}" type="datetimeFigureOut">
               <a:rPr lang="en-US" smtClean="0"/>
-              <a:t>3/23/2022</a:t>
+              <a:t>3/27/2022</a:t>
             </a:fld>
             <a:endParaRPr lang="en-US"/>
           </a:p>
@@ -1828,7 +1828,7 @@
           <a:p>
             <a:fld id="{EB1FE61B-7216-43F0-8ECC-D11D549EF62C}" type="datetimeFigureOut">
               <a:rPr lang="en-US" smtClean="0"/>
-              <a:t>3/23/2022</a:t>
+              <a:t>3/27/2022</a:t>
             </a:fld>
             <a:endParaRPr lang="en-US"/>
           </a:p>
@@ -1969,7 +1969,7 @@
           <a:p>
             <a:fld id="{EB1FE61B-7216-43F0-8ECC-D11D549EF62C}" type="datetimeFigureOut">
               <a:rPr lang="en-US" smtClean="0"/>
-              <a:t>3/23/2022</a:t>
+              <a:t>3/27/2022</a:t>
             </a:fld>
             <a:endParaRPr lang="en-US"/>
           </a:p>
@@ -2082,7 +2082,7 @@
           <a:p>
             <a:fld id="{EB1FE61B-7216-43F0-8ECC-D11D549EF62C}" type="datetimeFigureOut">
               <a:rPr lang="en-US" smtClean="0"/>
-              <a:t>3/23/2022</a:t>
+              <a:t>3/27/2022</a:t>
             </a:fld>
             <a:endParaRPr lang="en-US"/>
           </a:p>
@@ -2393,7 +2393,7 @@
           <a:p>
             <a:fld id="{EB1FE61B-7216-43F0-8ECC-D11D549EF62C}" type="datetimeFigureOut">
               <a:rPr lang="en-US" smtClean="0"/>
-              <a:t>3/23/2022</a:t>
+              <a:t>3/27/2022</a:t>
             </a:fld>
             <a:endParaRPr lang="en-US"/>
           </a:p>
@@ -2681,7 +2681,7 @@
           <a:p>
             <a:fld id="{EB1FE61B-7216-43F0-8ECC-D11D549EF62C}" type="datetimeFigureOut">
               <a:rPr lang="en-US" smtClean="0"/>
-              <a:t>3/23/2022</a:t>
+              <a:t>3/27/2022</a:t>
             </a:fld>
             <a:endParaRPr lang="en-US"/>
           </a:p>
@@ -2922,7 +2922,7 @@
           <a:p>
             <a:fld id="{EB1FE61B-7216-43F0-8ECC-D11D549EF62C}" type="datetimeFigureOut">
               <a:rPr lang="en-US" smtClean="0"/>
-              <a:t>3/23/2022</a:t>
+              <a:t>3/27/2022</a:t>
             </a:fld>
             <a:endParaRPr lang="en-US"/>
           </a:p>
@@ -3563,8 +3563,8 @@
           </a:p>
         </p:txBody>
       </p:sp>
-      <mc:AlternateContent xmlns:mc="http://schemas.openxmlformats.org/markup-compatibility/2006">
-        <mc:Choice xmlns:a14="http://schemas.microsoft.com/office/drawing/2010/main" Requires="a14">
+      <mc:AlternateContent xmlns:mc="http://schemas.openxmlformats.org/markup-compatibility/2006" xmlns:a14="http://schemas.microsoft.com/office/drawing/2010/main">
+        <mc:Choice Requires="a14">
           <p:sp>
             <p:nvSpPr>
               <p:cNvPr id="3" name="Content Placeholder 2">
@@ -3659,7 +3659,7 @@
             </p:txBody>
           </p:sp>
         </mc:Choice>
-        <mc:Fallback>
+        <mc:Fallback xmlns="">
           <p:sp>
             <p:nvSpPr>
               <p:cNvPr id="3" name="Content Placeholder 2">
@@ -3757,8 +3757,8 @@
           </a:p>
         </p:txBody>
       </p:sp>
-      <mc:AlternateContent xmlns:mc="http://schemas.openxmlformats.org/markup-compatibility/2006">
-        <mc:Choice xmlns:a14="http://schemas.microsoft.com/office/drawing/2010/main" Requires="a14">
+      <mc:AlternateContent xmlns:mc="http://schemas.openxmlformats.org/markup-compatibility/2006" xmlns:a14="http://schemas.microsoft.com/office/drawing/2010/main">
+        <mc:Choice Requires="a14">
           <p:sp>
             <p:nvSpPr>
               <p:cNvPr id="3" name="Content Placeholder 2">
@@ -3828,7 +3828,7 @@
             </p:txBody>
           </p:sp>
         </mc:Choice>
-        <mc:Fallback>
+        <mc:Fallback xmlns="">
           <p:sp>
             <p:nvSpPr>
               <p:cNvPr id="3" name="Content Placeholder 2">
@@ -4113,6 +4113,13 @@
               <a:t>Maybe the routers check the signature and servers check the hash? </a:t>
             </a:r>
           </a:p>
+          <a:p>
+            <a:pPr lvl="1"/>
+            <a:r>
+              <a:rPr lang="en-US" sz="2800" dirty="0"/>
+              <a:t>No use</a:t>
+            </a:r>
+          </a:p>
         </p:txBody>
       </p:sp>
     </p:spTree>
@@ -4348,6 +4355,18 @@
               <a:t>You have full control on a subset of routers and links. </a:t>
             </a:r>
           </a:p>
+          <a:p>
+            <a:pPr lvl="2"/>
+            <a:r>
+              <a:rPr lang="en-US" sz="2800" dirty="0"/>
+              <a:t>From </a:t>
+            </a:r>
+            <a:r>
+              <a:rPr lang="en-US" sz="2800"/>
+              <a:t>physical security. </a:t>
+            </a:r>
+            <a:endParaRPr lang="en-US" sz="2800" dirty="0"/>
+          </a:p>
         </p:txBody>
       </p:sp>
     </p:spTree>
@@ -4408,8 +4427,8 @@
           </a:p>
         </p:txBody>
       </p:sp>
-      <mc:AlternateContent xmlns:mc="http://schemas.openxmlformats.org/markup-compatibility/2006">
-        <mc:Choice xmlns:a14="http://schemas.microsoft.com/office/drawing/2010/main" Requires="a14">
+      <mc:AlternateContent xmlns:mc="http://schemas.openxmlformats.org/markup-compatibility/2006" xmlns:a14="http://schemas.microsoft.com/office/drawing/2010/main">
+        <mc:Choice Requires="a14">
           <p:sp>
             <p:nvSpPr>
               <p:cNvPr id="3" name="Content Placeholder 2">
@@ -4612,7 +4631,7 @@
             </p:txBody>
           </p:sp>
         </mc:Choice>
-        <mc:Fallback>
+        <mc:Fallback xmlns="">
           <p:sp>
             <p:nvSpPr>
               <p:cNvPr id="3" name="Content Placeholder 2">
@@ -4980,8 +4999,8 @@
           </a:p>
         </p:txBody>
       </p:sp>
-      <mc:AlternateContent xmlns:mc="http://schemas.openxmlformats.org/markup-compatibility/2006">
-        <mc:Choice xmlns:a14="http://schemas.microsoft.com/office/drawing/2010/main" Requires="a14">
+      <mc:AlternateContent xmlns:mc="http://schemas.openxmlformats.org/markup-compatibility/2006" xmlns:a14="http://schemas.microsoft.com/office/drawing/2010/main">
+        <mc:Choice Requires="a14">
           <p:sp>
             <p:nvSpPr>
               <p:cNvPr id="3" name="Content Placeholder 2">
@@ -5112,7 +5131,7 @@
             </p:txBody>
           </p:sp>
         </mc:Choice>
-        <mc:Fallback>
+        <mc:Fallback xmlns="">
           <p:sp>
             <p:nvSpPr>
               <p:cNvPr id="3" name="Content Placeholder 2">
@@ -5156,8 +5175,8 @@
           </p:sp>
         </mc:Fallback>
       </mc:AlternateContent>
-      <mc:AlternateContent xmlns:mc="http://schemas.openxmlformats.org/markup-compatibility/2006">
-        <mc:Choice xmlns:a14="http://schemas.microsoft.com/office/drawing/2010/main" Requires="a14">
+      <mc:AlternateContent xmlns:mc="http://schemas.openxmlformats.org/markup-compatibility/2006" xmlns:a14="http://schemas.microsoft.com/office/drawing/2010/main">
+        <mc:Choice Requires="a14">
           <p:sp>
             <p:nvSpPr>
               <p:cNvPr id="4" name="Oval 3">
@@ -5233,7 +5252,7 @@
             </p:txBody>
           </p:sp>
         </mc:Choice>
-        <mc:Fallback>
+        <mc:Fallback xmlns="">
           <p:sp>
             <p:nvSpPr>
               <p:cNvPr id="4" name="Oval 3">
@@ -6521,8 +6540,8 @@
           </a:p>
         </p:txBody>
       </p:sp>
-      <mc:AlternateContent xmlns:mc="http://schemas.openxmlformats.org/markup-compatibility/2006">
-        <mc:Choice xmlns:a14="http://schemas.microsoft.com/office/drawing/2010/main" Requires="a14">
+      <mc:AlternateContent xmlns:mc="http://schemas.openxmlformats.org/markup-compatibility/2006" xmlns:a14="http://schemas.microsoft.com/office/drawing/2010/main">
+        <mc:Choice Requires="a14">
           <p:sp>
             <p:nvSpPr>
               <p:cNvPr id="3" name="Content Placeholder 2">
@@ -6674,7 +6693,7 @@
             </p:txBody>
           </p:sp>
         </mc:Choice>
-        <mc:Fallback>
+        <mc:Fallback xmlns="">
           <p:sp>
             <p:nvSpPr>
               <p:cNvPr id="3" name="Content Placeholder 2">
